--- a/Fig.7_pipeline.pptx
+++ b/Fig.7_pipeline.pptx
@@ -12,6 +12,7 @@
     <p:sldId id="260" r:id="rId6"/>
     <p:sldId id="261" r:id="rId7"/>
     <p:sldId id="262" r:id="rId8"/>
+    <p:sldId id="263" r:id="rId9"/>
   </p:sldIdLst>
   <p:sldSz cx="12192000" cy="6858000"/>
   <p:notesSz cx="6858000" cy="9144000"/>
@@ -276,7 +277,7 @@
           <a:p>
             <a:fld id="{C743B306-F054-43CF-AE39-C10194F077E4}" type="datetimeFigureOut">
               <a:rPr lang="en-US" smtClean="0"/>
-              <a:t>11/15/2018</a:t>
+              <a:t>11/21/2018</a:t>
             </a:fld>
             <a:endParaRPr lang="en-US"/>
           </a:p>
@@ -474,7 +475,7 @@
           <a:p>
             <a:fld id="{C743B306-F054-43CF-AE39-C10194F077E4}" type="datetimeFigureOut">
               <a:rPr lang="en-US" smtClean="0"/>
-              <a:t>11/15/2018</a:t>
+              <a:t>11/21/2018</a:t>
             </a:fld>
             <a:endParaRPr lang="en-US"/>
           </a:p>
@@ -682,7 +683,7 @@
           <a:p>
             <a:fld id="{C743B306-F054-43CF-AE39-C10194F077E4}" type="datetimeFigureOut">
               <a:rPr lang="en-US" smtClean="0"/>
-              <a:t>11/15/2018</a:t>
+              <a:t>11/21/2018</a:t>
             </a:fld>
             <a:endParaRPr lang="en-US"/>
           </a:p>
@@ -880,7 +881,7 @@
           <a:p>
             <a:fld id="{C743B306-F054-43CF-AE39-C10194F077E4}" type="datetimeFigureOut">
               <a:rPr lang="en-US" smtClean="0"/>
-              <a:t>11/15/2018</a:t>
+              <a:t>11/21/2018</a:t>
             </a:fld>
             <a:endParaRPr lang="en-US"/>
           </a:p>
@@ -1155,7 +1156,7 @@
           <a:p>
             <a:fld id="{C743B306-F054-43CF-AE39-C10194F077E4}" type="datetimeFigureOut">
               <a:rPr lang="en-US" smtClean="0"/>
-              <a:t>11/15/2018</a:t>
+              <a:t>11/21/2018</a:t>
             </a:fld>
             <a:endParaRPr lang="en-US"/>
           </a:p>
@@ -1420,7 +1421,7 @@
           <a:p>
             <a:fld id="{C743B306-F054-43CF-AE39-C10194F077E4}" type="datetimeFigureOut">
               <a:rPr lang="en-US" smtClean="0"/>
-              <a:t>11/15/2018</a:t>
+              <a:t>11/21/2018</a:t>
             </a:fld>
             <a:endParaRPr lang="en-US"/>
           </a:p>
@@ -1832,7 +1833,7 @@
           <a:p>
             <a:fld id="{C743B306-F054-43CF-AE39-C10194F077E4}" type="datetimeFigureOut">
               <a:rPr lang="en-US" smtClean="0"/>
-              <a:t>11/15/2018</a:t>
+              <a:t>11/21/2018</a:t>
             </a:fld>
             <a:endParaRPr lang="en-US"/>
           </a:p>
@@ -1973,7 +1974,7 @@
           <a:p>
             <a:fld id="{C743B306-F054-43CF-AE39-C10194F077E4}" type="datetimeFigureOut">
               <a:rPr lang="en-US" smtClean="0"/>
-              <a:t>11/15/2018</a:t>
+              <a:t>11/21/2018</a:t>
             </a:fld>
             <a:endParaRPr lang="en-US"/>
           </a:p>
@@ -2086,7 +2087,7 @@
           <a:p>
             <a:fld id="{C743B306-F054-43CF-AE39-C10194F077E4}" type="datetimeFigureOut">
               <a:rPr lang="en-US" smtClean="0"/>
-              <a:t>11/15/2018</a:t>
+              <a:t>11/21/2018</a:t>
             </a:fld>
             <a:endParaRPr lang="en-US"/>
           </a:p>
@@ -2397,7 +2398,7 @@
           <a:p>
             <a:fld id="{C743B306-F054-43CF-AE39-C10194F077E4}" type="datetimeFigureOut">
               <a:rPr lang="en-US" smtClean="0"/>
-              <a:t>11/15/2018</a:t>
+              <a:t>11/21/2018</a:t>
             </a:fld>
             <a:endParaRPr lang="en-US"/>
           </a:p>
@@ -2685,7 +2686,7 @@
           <a:p>
             <a:fld id="{C743B306-F054-43CF-AE39-C10194F077E4}" type="datetimeFigureOut">
               <a:rPr lang="en-US" smtClean="0"/>
-              <a:t>11/15/2018</a:t>
+              <a:t>11/21/2018</a:t>
             </a:fld>
             <a:endParaRPr lang="en-US"/>
           </a:p>
@@ -2926,7 +2927,7 @@
           <a:p>
             <a:fld id="{C743B306-F054-43CF-AE39-C10194F077E4}" type="datetimeFigureOut">
               <a:rPr lang="en-US" smtClean="0"/>
-              <a:t>11/15/2018</a:t>
+              <a:t>11/21/2018</a:t>
             </a:fld>
             <a:endParaRPr lang="en-US"/>
           </a:p>
@@ -4397,6 +4398,122 @@
 </p:sld>
 </file>
 
+<file path=ppt/slides/slide8.xml><?xml version="1.0" encoding="utf-8"?>
+<p:sld xmlns:a="http://schemas.openxmlformats.org/drawingml/2006/main" xmlns:r="http://schemas.openxmlformats.org/officeDocument/2006/relationships" xmlns:p="http://schemas.openxmlformats.org/presentationml/2006/main">
+  <p:cSld>
+    <p:spTree>
+      <p:nvGrpSpPr>
+        <p:cNvPr id="1" name=""/>
+        <p:cNvGrpSpPr/>
+        <p:nvPr/>
+      </p:nvGrpSpPr>
+      <p:grpSpPr>
+        <a:xfrm>
+          <a:off x="0" y="0"/>
+          <a:ext cx="0" cy="0"/>
+          <a:chOff x="0" y="0"/>
+          <a:chExt cx="0" cy="0"/>
+        </a:xfrm>
+      </p:grpSpPr>
+      <p:sp>
+        <p:nvSpPr>
+          <p:cNvPr id="2" name="Title 1">
+            <a:extLst>
+              <a:ext uri="{FF2B5EF4-FFF2-40B4-BE49-F238E27FC236}">
+                <a16:creationId xmlns:a16="http://schemas.microsoft.com/office/drawing/2014/main" id="{3C66FA89-F398-48C8-A94B-0C6AA4340A7A}"/>
+              </a:ext>
+            </a:extLst>
+          </p:cNvPr>
+          <p:cNvSpPr>
+            <a:spLocks noGrp="1"/>
+          </p:cNvSpPr>
+          <p:nvPr>
+            <p:ph type="title"/>
+          </p:nvPr>
+        </p:nvSpPr>
+        <p:spPr/>
+        <p:txBody>
+          <a:bodyPr/>
+          <a:lstStyle/>
+          <a:p>
+            <a:r>
+              <a:rPr lang="en-US" dirty="0"/>
+              <a:t>Genetic groups 	</a:t>
+            </a:r>
+          </a:p>
+        </p:txBody>
+      </p:sp>
+      <p:sp>
+        <p:nvSpPr>
+          <p:cNvPr id="3" name="Content Placeholder 2">
+            <a:extLst>
+              <a:ext uri="{FF2B5EF4-FFF2-40B4-BE49-F238E27FC236}">
+                <a16:creationId xmlns:a16="http://schemas.microsoft.com/office/drawing/2014/main" id="{80B84E95-47AB-4C7B-B43C-71EAECC7AE0F}"/>
+              </a:ext>
+            </a:extLst>
+          </p:cNvPr>
+          <p:cNvSpPr>
+            <a:spLocks noGrp="1"/>
+          </p:cNvSpPr>
+          <p:nvPr>
+            <p:ph idx="1"/>
+          </p:nvPr>
+        </p:nvSpPr>
+        <p:spPr/>
+        <p:txBody>
+          <a:bodyPr/>
+          <a:lstStyle/>
+          <a:p>
+            <a:r>
+              <a:rPr lang="en-US" dirty="0"/>
+              <a:t>SP</a:t>
+            </a:r>
+          </a:p>
+          <a:p>
+            <a:r>
+              <a:rPr lang="en-US" dirty="0"/>
+              <a:t>SLC Andean</a:t>
+            </a:r>
+          </a:p>
+          <a:p>
+            <a:r>
+              <a:rPr lang="en-US" dirty="0"/>
+              <a:t>SLC non Andean</a:t>
+            </a:r>
+          </a:p>
+          <a:p>
+            <a:r>
+              <a:rPr lang="en-US" dirty="0"/>
+              <a:t>SLL vintage</a:t>
+            </a:r>
+          </a:p>
+          <a:p>
+            <a:r>
+              <a:rPr lang="en-US" dirty="0"/>
+              <a:t>SLL fresh</a:t>
+            </a:r>
+          </a:p>
+          <a:p>
+            <a:r>
+              <a:rPr lang="en-US" dirty="0"/>
+              <a:t>SLL processing</a:t>
+            </a:r>
+          </a:p>
+        </p:txBody>
+      </p:sp>
+    </p:spTree>
+    <p:extLst>
+      <p:ext uri="{BB962C8B-B14F-4D97-AF65-F5344CB8AC3E}">
+        <p14:creationId xmlns:p14="http://schemas.microsoft.com/office/powerpoint/2010/main" val="4236478702"/>
+      </p:ext>
+    </p:extLst>
+  </p:cSld>
+  <p:clrMapOvr>
+    <a:masterClrMapping/>
+  </p:clrMapOvr>
+</p:sld>
+</file>
+
 <file path=ppt/theme/theme1.xml><?xml version="1.0" encoding="utf-8"?>
 <a:theme xmlns:a="http://schemas.openxmlformats.org/drawingml/2006/main" name="Office Theme">
   <a:themeElements>
